--- a/docs/diagrams/ModelComponentClassDiagram.pptx
+++ b/docs/diagrams/ModelComponentClassDiagram.pptx
@@ -208,7 +208,7 @@
           <a:p>
             <a:fld id="{F5CC4B3F-88C1-4FFA-B1B6-F41C21DC6924}" type="datetimeFigureOut">
               <a:rPr lang="en-US" smtClean="0"/>
-              <a:t>1/1/18</a:t>
+              <a:t>4/13/18</a:t>
             </a:fld>
             <a:endParaRPr lang="en-US"/>
           </a:p>
@@ -657,7 +657,7 @@
           <a:p>
             <a:fld id="{78C97017-6FC3-485B-9764-EAC9E56C1D49}" type="datetimeFigureOut">
               <a:rPr lang="en-US" smtClean="0"/>
-              <a:t>1/1/18</a:t>
+              <a:t>4/13/18</a:t>
             </a:fld>
             <a:endParaRPr lang="en-US"/>
           </a:p>
@@ -827,7 +827,7 @@
           <a:p>
             <a:fld id="{78C97017-6FC3-485B-9764-EAC9E56C1D49}" type="datetimeFigureOut">
               <a:rPr lang="en-US" smtClean="0"/>
-              <a:t>1/1/18</a:t>
+              <a:t>4/13/18</a:t>
             </a:fld>
             <a:endParaRPr lang="en-US"/>
           </a:p>
@@ -1007,7 +1007,7 @@
           <a:p>
             <a:fld id="{78C97017-6FC3-485B-9764-EAC9E56C1D49}" type="datetimeFigureOut">
               <a:rPr lang="en-US" smtClean="0"/>
-              <a:t>1/1/18</a:t>
+              <a:t>4/13/18</a:t>
             </a:fld>
             <a:endParaRPr lang="en-US"/>
           </a:p>
@@ -1177,7 +1177,7 @@
           <a:p>
             <a:fld id="{78C97017-6FC3-485B-9764-EAC9E56C1D49}" type="datetimeFigureOut">
               <a:rPr lang="en-US" smtClean="0"/>
-              <a:t>1/1/18</a:t>
+              <a:t>4/13/18</a:t>
             </a:fld>
             <a:endParaRPr lang="en-US"/>
           </a:p>
@@ -1423,7 +1423,7 @@
           <a:p>
             <a:fld id="{78C97017-6FC3-485B-9764-EAC9E56C1D49}" type="datetimeFigureOut">
               <a:rPr lang="en-US" smtClean="0"/>
-              <a:t>1/1/18</a:t>
+              <a:t>4/13/18</a:t>
             </a:fld>
             <a:endParaRPr lang="en-US"/>
           </a:p>
@@ -1711,7 +1711,7 @@
           <a:p>
             <a:fld id="{78C97017-6FC3-485B-9764-EAC9E56C1D49}" type="datetimeFigureOut">
               <a:rPr lang="en-US" smtClean="0"/>
-              <a:t>1/1/18</a:t>
+              <a:t>4/13/18</a:t>
             </a:fld>
             <a:endParaRPr lang="en-US"/>
           </a:p>
@@ -2133,7 +2133,7 @@
           <a:p>
             <a:fld id="{78C97017-6FC3-485B-9764-EAC9E56C1D49}" type="datetimeFigureOut">
               <a:rPr lang="en-US" smtClean="0"/>
-              <a:t>1/1/18</a:t>
+              <a:t>4/13/18</a:t>
             </a:fld>
             <a:endParaRPr lang="en-US"/>
           </a:p>
@@ -2251,7 +2251,7 @@
           <a:p>
             <a:fld id="{78C97017-6FC3-485B-9764-EAC9E56C1D49}" type="datetimeFigureOut">
               <a:rPr lang="en-US" smtClean="0"/>
-              <a:t>1/1/18</a:t>
+              <a:t>4/13/18</a:t>
             </a:fld>
             <a:endParaRPr lang="en-US"/>
           </a:p>
@@ -2346,7 +2346,7 @@
           <a:p>
             <a:fld id="{78C97017-6FC3-485B-9764-EAC9E56C1D49}" type="datetimeFigureOut">
               <a:rPr lang="en-US" smtClean="0"/>
-              <a:t>1/1/18</a:t>
+              <a:t>4/13/18</a:t>
             </a:fld>
             <a:endParaRPr lang="en-US"/>
           </a:p>
@@ -2623,7 +2623,7 @@
           <a:p>
             <a:fld id="{78C97017-6FC3-485B-9764-EAC9E56C1D49}" type="datetimeFigureOut">
               <a:rPr lang="en-US" smtClean="0"/>
-              <a:t>1/1/18</a:t>
+              <a:t>4/13/18</a:t>
             </a:fld>
             <a:endParaRPr lang="en-US"/>
           </a:p>
@@ -2876,7 +2876,7 @@
           <a:p>
             <a:fld id="{78C97017-6FC3-485B-9764-EAC9E56C1D49}" type="datetimeFigureOut">
               <a:rPr lang="en-US" smtClean="0"/>
-              <a:t>1/1/18</a:t>
+              <a:t>4/13/18</a:t>
             </a:fld>
             <a:endParaRPr lang="en-US"/>
           </a:p>
@@ -3089,7 +3089,7 @@
           <a:p>
             <a:fld id="{78C97017-6FC3-485B-9764-EAC9E56C1D49}" type="datetimeFigureOut">
               <a:rPr lang="en-US" smtClean="0"/>
-              <a:t>1/1/18</a:t>
+              <a:t>4/13/18</a:t>
             </a:fld>
             <a:endParaRPr lang="en-US"/>
           </a:p>
@@ -4020,7 +4020,7 @@
                   <a:srgbClr val="7030A0"/>
                 </a:solidFill>
               </a:rPr>
-              <a:t>AddressBook</a:t>
+              <a:t>JobbiBot</a:t>
             </a:r>
             <a:endParaRPr lang="en-SG" sz="1050" dirty="0">
               <a:solidFill>
@@ -4162,7 +4162,7 @@
                   <a:srgbClr val="7030A0"/>
                 </a:solidFill>
               </a:rPr>
-              <a:t>UniquePersonList</a:t>
+              <a:t>UniqueInternshipList</a:t>
             </a:r>
             <a:endParaRPr lang="en-SG" sz="1050" dirty="0">
               <a:solidFill>
@@ -4400,14 +4400,14 @@
           <a:p>
             <a:pPr algn="ctr"/>
             <a:r>
-              <a:rPr lang="en-US" sz="1050" dirty="0" smtClean="0">
+              <a:rPr lang="en-US" sz="900" dirty="0" smtClean="0">
                 <a:solidFill>
                   <a:srgbClr val="7030A0"/>
                 </a:solidFill>
               </a:rPr>
-              <a:t>Person</a:t>
-            </a:r>
-            <a:endParaRPr lang="en-SG" sz="1050" dirty="0">
+              <a:t>Internship</a:t>
+            </a:r>
+            <a:endParaRPr lang="en-SG" sz="900" dirty="0">
               <a:solidFill>
                 <a:srgbClr val="7030A0"/>
               </a:solidFill>
@@ -4689,7 +4689,7 @@
                   <a:srgbClr val="7030A0"/>
                 </a:solidFill>
               </a:rPr>
-              <a:t>Name</a:t>
+              <a:t>Company Name</a:t>
             </a:r>
             <a:endParaRPr lang="en-SG" sz="1050" dirty="0">
               <a:solidFill>
@@ -4833,7 +4833,7 @@
                   <a:srgbClr val="7030A0"/>
                 </a:solidFill>
               </a:rPr>
-              <a:t>Phone</a:t>
+              <a:t>Salary</a:t>
             </a:r>
             <a:endParaRPr lang="en-SG" sz="1050" dirty="0">
               <a:solidFill>
@@ -4930,7 +4930,7 @@
                   <a:srgbClr val="7030A0"/>
                 </a:solidFill>
               </a:rPr>
-              <a:t>Email</a:t>
+              <a:t>Region</a:t>
             </a:r>
             <a:endParaRPr lang="en-SG" sz="1050" dirty="0">
               <a:solidFill>
@@ -5230,7 +5230,7 @@
                   <a:srgbClr val="7030A0"/>
                 </a:solidFill>
               </a:rPr>
-              <a:t>ReadOnlyAddressBook</a:t>
+              <a:t>ReadOnlyJobbiBot</a:t>
             </a:r>
             <a:endParaRPr lang="en-SG" sz="1050" dirty="0">
               <a:solidFill>
@@ -5753,6 +5753,194 @@
           </a:p>
         </p:txBody>
       </p:sp>
+      <p:sp>
+        <p:nvSpPr>
+          <p:cNvPr id="52" name="Rectangle 8"/>
+          <p:cNvSpPr/>
+          <p:nvPr/>
+        </p:nvSpPr>
+        <p:spPr>
+          <a:xfrm>
+            <a:off x="7712397" y="3885929"/>
+            <a:ext cx="708186" cy="285783"/>
+          </a:xfrm>
+          <a:prstGeom prst="rect">
+            <a:avLst/>
+          </a:prstGeom>
+          <a:ln w="19050">
+            <a:solidFill>
+              <a:srgbClr val="7030A0"/>
+            </a:solidFill>
+          </a:ln>
+          <a:effectLst/>
+        </p:spPr>
+        <p:style>
+          <a:lnRef idx="1">
+            <a:schemeClr val="accent4"/>
+          </a:lnRef>
+          <a:fillRef idx="2">
+            <a:schemeClr val="accent4"/>
+          </a:fillRef>
+          <a:effectRef idx="1">
+            <a:schemeClr val="accent4"/>
+          </a:effectRef>
+          <a:fontRef idx="minor">
+            <a:schemeClr val="dk1"/>
+          </a:fontRef>
+        </p:style>
+        <p:txBody>
+          <a:bodyPr rtlCol="0" anchor="ctr"/>
+          <a:lstStyle/>
+          <a:p>
+            <a:pPr algn="ctr"/>
+            <a:r>
+              <a:rPr lang="en-US" sz="1050" dirty="0" smtClean="0">
+                <a:solidFill>
+                  <a:srgbClr val="7030A0"/>
+                </a:solidFill>
+              </a:rPr>
+              <a:t>Industry</a:t>
+            </a:r>
+            <a:endParaRPr lang="en-SG" sz="1050" dirty="0">
+              <a:solidFill>
+                <a:srgbClr val="7030A0"/>
+              </a:solidFill>
+            </a:endParaRPr>
+          </a:p>
+        </p:txBody>
+      </p:sp>
+      <p:sp>
+        <p:nvSpPr>
+          <p:cNvPr id="53" name="Rectangle 8"/>
+          <p:cNvSpPr/>
+          <p:nvPr/>
+        </p:nvSpPr>
+        <p:spPr>
+          <a:xfrm>
+            <a:off x="7714655" y="4218644"/>
+            <a:ext cx="708186" cy="285783"/>
+          </a:xfrm>
+          <a:prstGeom prst="rect">
+            <a:avLst/>
+          </a:prstGeom>
+          <a:ln w="19050">
+            <a:solidFill>
+              <a:srgbClr val="7030A0"/>
+            </a:solidFill>
+          </a:ln>
+          <a:effectLst/>
+        </p:spPr>
+        <p:style>
+          <a:lnRef idx="1">
+            <a:schemeClr val="accent4"/>
+          </a:lnRef>
+          <a:fillRef idx="2">
+            <a:schemeClr val="accent4"/>
+          </a:fillRef>
+          <a:effectRef idx="1">
+            <a:schemeClr val="accent4"/>
+          </a:effectRef>
+          <a:fontRef idx="minor">
+            <a:schemeClr val="dk1"/>
+          </a:fontRef>
+        </p:style>
+        <p:txBody>
+          <a:bodyPr rtlCol="0" anchor="ctr"/>
+          <a:lstStyle/>
+          <a:p>
+            <a:pPr algn="ctr"/>
+            <a:r>
+              <a:rPr lang="en-US" sz="1050" dirty="0" smtClean="0">
+                <a:solidFill>
+                  <a:srgbClr val="7030A0"/>
+                </a:solidFill>
+              </a:rPr>
+              <a:t>Role</a:t>
+            </a:r>
+            <a:endParaRPr lang="en-SG" sz="1050" dirty="0">
+              <a:solidFill>
+                <a:srgbClr val="7030A0"/>
+              </a:solidFill>
+            </a:endParaRPr>
+          </a:p>
+        </p:txBody>
+      </p:sp>
+      <p:cxnSp>
+        <p:nvCxnSpPr>
+          <p:cNvPr id="55" name="Elbow Connector 54"/>
+          <p:cNvCxnSpPr/>
+          <p:nvPr/>
+        </p:nvCxnSpPr>
+        <p:spPr>
+          <a:xfrm rot="16200000" flipH="1">
+            <a:off x="7185930" y="3851266"/>
+            <a:ext cx="819799" cy="200740"/>
+          </a:xfrm>
+          <a:prstGeom prst="bentConnector2">
+            <a:avLst/>
+          </a:prstGeom>
+          <a:ln w="19050">
+            <a:solidFill>
+              <a:srgbClr val="7030A0"/>
+            </a:solidFill>
+            <a:headEnd type="none" w="med" len="med"/>
+            <a:tailEnd type="arrow" w="med" len="med"/>
+          </a:ln>
+          <a:effectLst/>
+        </p:spPr>
+        <p:style>
+          <a:lnRef idx="1">
+            <a:schemeClr val="accent2"/>
+          </a:lnRef>
+          <a:fillRef idx="2">
+            <a:schemeClr val="accent2"/>
+          </a:fillRef>
+          <a:effectRef idx="1">
+            <a:schemeClr val="accent2"/>
+          </a:effectRef>
+          <a:fontRef idx="minor">
+            <a:schemeClr val="dk1"/>
+          </a:fontRef>
+        </p:style>
+      </p:cxnSp>
+      <p:cxnSp>
+        <p:nvCxnSpPr>
+          <p:cNvPr id="71" name="Elbow Connector 70"/>
+          <p:cNvCxnSpPr/>
+          <p:nvPr/>
+        </p:nvCxnSpPr>
+        <p:spPr>
+          <a:xfrm rot="16200000" flipH="1">
+            <a:off x="7186888" y="3471636"/>
+            <a:ext cx="819799" cy="200740"/>
+          </a:xfrm>
+          <a:prstGeom prst="bentConnector2">
+            <a:avLst/>
+          </a:prstGeom>
+          <a:ln w="19050">
+            <a:solidFill>
+              <a:srgbClr val="7030A0"/>
+            </a:solidFill>
+            <a:headEnd type="none" w="med" len="med"/>
+            <a:tailEnd type="arrow" w="med" len="med"/>
+          </a:ln>
+          <a:effectLst/>
+        </p:spPr>
+        <p:style>
+          <a:lnRef idx="1">
+            <a:schemeClr val="accent2"/>
+          </a:lnRef>
+          <a:fillRef idx="2">
+            <a:schemeClr val="accent2"/>
+          </a:fillRef>
+          <a:effectRef idx="1">
+            <a:schemeClr val="accent2"/>
+          </a:effectRef>
+          <a:fontRef idx="minor">
+            <a:schemeClr val="dk1"/>
+          </a:fontRef>
+        </p:style>
+      </p:cxnSp>
     </p:spTree>
     <p:extLst>
       <p:ext uri="{BB962C8B-B14F-4D97-AF65-F5344CB8AC3E}">

--- a/docs/diagrams/ModelComponentClassDiagram.pptx
+++ b/docs/diagrams/ModelComponentClassDiagram.pptx
@@ -208,7 +208,7 @@
           <a:p>
             <a:fld id="{F5CC4B3F-88C1-4FFA-B1B6-F41C21DC6924}" type="datetimeFigureOut">
               <a:rPr lang="en-US" smtClean="0"/>
-              <a:t>4/13/18</a:t>
+              <a:t>15-Apr-18</a:t>
             </a:fld>
             <a:endParaRPr lang="en-US"/>
           </a:p>
@@ -272,38 +272,37 @@
           <a:p>
             <a:pPr lvl="0"/>
             <a:r>
-              <a:rPr lang="en-US" smtClean="0"/>
+              <a:rPr lang="en-US"/>
               <a:t>Click to edit Master text styles</a:t>
             </a:r>
           </a:p>
           <a:p>
             <a:pPr lvl="1"/>
             <a:r>
-              <a:rPr lang="en-US" smtClean="0"/>
+              <a:rPr lang="en-US"/>
               <a:t>Second level</a:t>
             </a:r>
           </a:p>
           <a:p>
             <a:pPr lvl="2"/>
             <a:r>
-              <a:rPr lang="en-US" smtClean="0"/>
+              <a:rPr lang="en-US"/>
               <a:t>Third level</a:t>
             </a:r>
           </a:p>
           <a:p>
             <a:pPr lvl="3"/>
             <a:r>
-              <a:rPr lang="en-US" smtClean="0"/>
+              <a:rPr lang="en-US"/>
               <a:t>Fourth level</a:t>
             </a:r>
           </a:p>
           <a:p>
             <a:pPr lvl="4"/>
             <a:r>
-              <a:rPr lang="en-US" smtClean="0"/>
+              <a:rPr lang="en-US"/>
               <a:t>Fifth level</a:t>
             </a:r>
-            <a:endParaRPr lang="en-US"/>
           </a:p>
         </p:txBody>
       </p:sp>
@@ -514,10 +513,9 @@
           <a:lstStyle/>
           <a:p>
             <a:r>
-              <a:rPr lang="en-US" smtClean="0"/>
+              <a:rPr lang="en-US"/>
               <a:t>Click to edit Master title style</a:t>
             </a:r>
-            <a:endParaRPr lang="en-US"/>
           </a:p>
         </p:txBody>
       </p:sp>
@@ -633,10 +631,9 @@
           </a:lstStyle>
           <a:p>
             <a:r>
-              <a:rPr lang="en-US" smtClean="0"/>
+              <a:rPr lang="en-US"/>
               <a:t>Click to edit Master subtitle style</a:t>
             </a:r>
-            <a:endParaRPr lang="en-US"/>
           </a:p>
         </p:txBody>
       </p:sp>
@@ -657,7 +654,7 @@
           <a:p>
             <a:fld id="{78C97017-6FC3-485B-9764-EAC9E56C1D49}" type="datetimeFigureOut">
               <a:rPr lang="en-US" smtClean="0"/>
-              <a:t>4/13/18</a:t>
+              <a:t>15-Apr-18</a:t>
             </a:fld>
             <a:endParaRPr lang="en-US"/>
           </a:p>
@@ -751,10 +748,9 @@
           <a:lstStyle/>
           <a:p>
             <a:r>
-              <a:rPr lang="en-US" smtClean="0"/>
+              <a:rPr lang="en-US"/>
               <a:t>Click to edit Master title style</a:t>
             </a:r>
-            <a:endParaRPr lang="en-US"/>
           </a:p>
         </p:txBody>
       </p:sp>
@@ -775,38 +771,37 @@
           <a:p>
             <a:pPr lvl="0"/>
             <a:r>
-              <a:rPr lang="en-US" smtClean="0"/>
+              <a:rPr lang="en-US"/>
               <a:t>Click to edit Master text styles</a:t>
             </a:r>
           </a:p>
           <a:p>
             <a:pPr lvl="1"/>
             <a:r>
-              <a:rPr lang="en-US" smtClean="0"/>
+              <a:rPr lang="en-US"/>
               <a:t>Second level</a:t>
             </a:r>
           </a:p>
           <a:p>
             <a:pPr lvl="2"/>
             <a:r>
-              <a:rPr lang="en-US" smtClean="0"/>
+              <a:rPr lang="en-US"/>
               <a:t>Third level</a:t>
             </a:r>
           </a:p>
           <a:p>
             <a:pPr lvl="3"/>
             <a:r>
-              <a:rPr lang="en-US" smtClean="0"/>
+              <a:rPr lang="en-US"/>
               <a:t>Fourth level</a:t>
             </a:r>
           </a:p>
           <a:p>
             <a:pPr lvl="4"/>
             <a:r>
-              <a:rPr lang="en-US" smtClean="0"/>
+              <a:rPr lang="en-US"/>
               <a:t>Fifth level</a:t>
             </a:r>
-            <a:endParaRPr lang="en-US"/>
           </a:p>
         </p:txBody>
       </p:sp>
@@ -827,7 +822,7 @@
           <a:p>
             <a:fld id="{78C97017-6FC3-485B-9764-EAC9E56C1D49}" type="datetimeFigureOut">
               <a:rPr lang="en-US" smtClean="0"/>
-              <a:t>4/13/18</a:t>
+              <a:t>15-Apr-18</a:t>
             </a:fld>
             <a:endParaRPr lang="en-US"/>
           </a:p>
@@ -926,10 +921,9 @@
           <a:lstStyle/>
           <a:p>
             <a:r>
-              <a:rPr lang="en-US" smtClean="0"/>
+              <a:rPr lang="en-US"/>
               <a:t>Click to edit Master title style</a:t>
             </a:r>
-            <a:endParaRPr lang="en-US"/>
           </a:p>
         </p:txBody>
       </p:sp>
@@ -955,38 +949,37 @@
           <a:p>
             <a:pPr lvl="0"/>
             <a:r>
-              <a:rPr lang="en-US" smtClean="0"/>
+              <a:rPr lang="en-US"/>
               <a:t>Click to edit Master text styles</a:t>
             </a:r>
           </a:p>
           <a:p>
             <a:pPr lvl="1"/>
             <a:r>
-              <a:rPr lang="en-US" smtClean="0"/>
+              <a:rPr lang="en-US"/>
               <a:t>Second level</a:t>
             </a:r>
           </a:p>
           <a:p>
             <a:pPr lvl="2"/>
             <a:r>
-              <a:rPr lang="en-US" smtClean="0"/>
+              <a:rPr lang="en-US"/>
               <a:t>Third level</a:t>
             </a:r>
           </a:p>
           <a:p>
             <a:pPr lvl="3"/>
             <a:r>
-              <a:rPr lang="en-US" smtClean="0"/>
+              <a:rPr lang="en-US"/>
               <a:t>Fourth level</a:t>
             </a:r>
           </a:p>
           <a:p>
             <a:pPr lvl="4"/>
             <a:r>
-              <a:rPr lang="en-US" smtClean="0"/>
+              <a:rPr lang="en-US"/>
               <a:t>Fifth level</a:t>
             </a:r>
-            <a:endParaRPr lang="en-US"/>
           </a:p>
         </p:txBody>
       </p:sp>
@@ -1007,7 +1000,7 @@
           <a:p>
             <a:fld id="{78C97017-6FC3-485B-9764-EAC9E56C1D49}" type="datetimeFigureOut">
               <a:rPr lang="en-US" smtClean="0"/>
-              <a:t>4/13/18</a:t>
+              <a:t>15-Apr-18</a:t>
             </a:fld>
             <a:endParaRPr lang="en-US"/>
           </a:p>
@@ -1101,10 +1094,9 @@
           <a:lstStyle/>
           <a:p>
             <a:r>
-              <a:rPr lang="en-US" smtClean="0"/>
+              <a:rPr lang="en-US"/>
               <a:t>Click to edit Master title style</a:t>
             </a:r>
-            <a:endParaRPr lang="en-US"/>
           </a:p>
         </p:txBody>
       </p:sp>
@@ -1125,38 +1117,37 @@
           <a:p>
             <a:pPr lvl="0"/>
             <a:r>
-              <a:rPr lang="en-US" smtClean="0"/>
+              <a:rPr lang="en-US"/>
               <a:t>Click to edit Master text styles</a:t>
             </a:r>
           </a:p>
           <a:p>
             <a:pPr lvl="1"/>
             <a:r>
-              <a:rPr lang="en-US" smtClean="0"/>
+              <a:rPr lang="en-US"/>
               <a:t>Second level</a:t>
             </a:r>
           </a:p>
           <a:p>
             <a:pPr lvl="2"/>
             <a:r>
-              <a:rPr lang="en-US" smtClean="0"/>
+              <a:rPr lang="en-US"/>
               <a:t>Third level</a:t>
             </a:r>
           </a:p>
           <a:p>
             <a:pPr lvl="3"/>
             <a:r>
-              <a:rPr lang="en-US" smtClean="0"/>
+              <a:rPr lang="en-US"/>
               <a:t>Fourth level</a:t>
             </a:r>
           </a:p>
           <a:p>
             <a:pPr lvl="4"/>
             <a:r>
-              <a:rPr lang="en-US" smtClean="0"/>
+              <a:rPr lang="en-US"/>
               <a:t>Fifth level</a:t>
             </a:r>
-            <a:endParaRPr lang="en-US"/>
           </a:p>
         </p:txBody>
       </p:sp>
@@ -1177,7 +1168,7 @@
           <a:p>
             <a:fld id="{78C97017-6FC3-485B-9764-EAC9E56C1D49}" type="datetimeFigureOut">
               <a:rPr lang="en-US" smtClean="0"/>
-              <a:t>4/13/18</a:t>
+              <a:t>15-Apr-18</a:t>
             </a:fld>
             <a:endParaRPr lang="en-US"/>
           </a:p>
@@ -1280,10 +1271,9 @@
           </a:lstStyle>
           <a:p>
             <a:r>
-              <a:rPr lang="en-US" smtClean="0"/>
+              <a:rPr lang="en-US"/>
               <a:t>Click to edit Master title style</a:t>
             </a:r>
-            <a:endParaRPr lang="en-US"/>
           </a:p>
         </p:txBody>
       </p:sp>
@@ -1400,7 +1390,7 @@
           <a:p>
             <a:pPr lvl="0"/>
             <a:r>
-              <a:rPr lang="en-US" smtClean="0"/>
+              <a:rPr lang="en-US"/>
               <a:t>Click to edit Master text styles</a:t>
             </a:r>
           </a:p>
@@ -1423,7 +1413,7 @@
           <a:p>
             <a:fld id="{78C97017-6FC3-485B-9764-EAC9E56C1D49}" type="datetimeFigureOut">
               <a:rPr lang="en-US" smtClean="0"/>
-              <a:t>4/13/18</a:t>
+              <a:t>15-Apr-18</a:t>
             </a:fld>
             <a:endParaRPr lang="en-US"/>
           </a:p>
@@ -1517,10 +1507,9 @@
           <a:lstStyle/>
           <a:p>
             <a:r>
-              <a:rPr lang="en-US" smtClean="0"/>
+              <a:rPr lang="en-US"/>
               <a:t>Click to edit Master title style</a:t>
             </a:r>
-            <a:endParaRPr lang="en-US"/>
           </a:p>
         </p:txBody>
       </p:sp>
@@ -1574,38 +1563,37 @@
           <a:p>
             <a:pPr lvl="0"/>
             <a:r>
-              <a:rPr lang="en-US" smtClean="0"/>
+              <a:rPr lang="en-US"/>
               <a:t>Click to edit Master text styles</a:t>
             </a:r>
           </a:p>
           <a:p>
             <a:pPr lvl="1"/>
             <a:r>
-              <a:rPr lang="en-US" smtClean="0"/>
+              <a:rPr lang="en-US"/>
               <a:t>Second level</a:t>
             </a:r>
           </a:p>
           <a:p>
             <a:pPr lvl="2"/>
             <a:r>
-              <a:rPr lang="en-US" smtClean="0"/>
+              <a:rPr lang="en-US"/>
               <a:t>Third level</a:t>
             </a:r>
           </a:p>
           <a:p>
             <a:pPr lvl="3"/>
             <a:r>
-              <a:rPr lang="en-US" smtClean="0"/>
+              <a:rPr lang="en-US"/>
               <a:t>Fourth level</a:t>
             </a:r>
           </a:p>
           <a:p>
             <a:pPr lvl="4"/>
             <a:r>
-              <a:rPr lang="en-US" smtClean="0"/>
+              <a:rPr lang="en-US"/>
               <a:t>Fifth level</a:t>
             </a:r>
-            <a:endParaRPr lang="en-US"/>
           </a:p>
         </p:txBody>
       </p:sp>
@@ -1659,38 +1647,37 @@
           <a:p>
             <a:pPr lvl="0"/>
             <a:r>
-              <a:rPr lang="en-US" smtClean="0"/>
+              <a:rPr lang="en-US"/>
               <a:t>Click to edit Master text styles</a:t>
             </a:r>
           </a:p>
           <a:p>
             <a:pPr lvl="1"/>
             <a:r>
-              <a:rPr lang="en-US" smtClean="0"/>
+              <a:rPr lang="en-US"/>
               <a:t>Second level</a:t>
             </a:r>
           </a:p>
           <a:p>
             <a:pPr lvl="2"/>
             <a:r>
-              <a:rPr lang="en-US" smtClean="0"/>
+              <a:rPr lang="en-US"/>
               <a:t>Third level</a:t>
             </a:r>
           </a:p>
           <a:p>
             <a:pPr lvl="3"/>
             <a:r>
-              <a:rPr lang="en-US" smtClean="0"/>
+              <a:rPr lang="en-US"/>
               <a:t>Fourth level</a:t>
             </a:r>
           </a:p>
           <a:p>
             <a:pPr lvl="4"/>
             <a:r>
-              <a:rPr lang="en-US" smtClean="0"/>
+              <a:rPr lang="en-US"/>
               <a:t>Fifth level</a:t>
             </a:r>
-            <a:endParaRPr lang="en-US"/>
           </a:p>
         </p:txBody>
       </p:sp>
@@ -1711,7 +1698,7 @@
           <a:p>
             <a:fld id="{78C97017-6FC3-485B-9764-EAC9E56C1D49}" type="datetimeFigureOut">
               <a:rPr lang="en-US" smtClean="0"/>
-              <a:t>4/13/18</a:t>
+              <a:t>15-Apr-18</a:t>
             </a:fld>
             <a:endParaRPr lang="en-US"/>
           </a:p>
@@ -1809,10 +1796,9 @@
           </a:lstStyle>
           <a:p>
             <a:r>
-              <a:rPr lang="en-US" smtClean="0"/>
+              <a:rPr lang="en-US"/>
               <a:t>Click to edit Master title style</a:t>
             </a:r>
-            <a:endParaRPr lang="en-US"/>
           </a:p>
         </p:txBody>
       </p:sp>
@@ -1875,7 +1861,7 @@
           <a:p>
             <a:pPr lvl="0"/>
             <a:r>
-              <a:rPr lang="en-US" smtClean="0"/>
+              <a:rPr lang="en-US"/>
               <a:t>Click to edit Master text styles</a:t>
             </a:r>
           </a:p>
@@ -1931,38 +1917,37 @@
           <a:p>
             <a:pPr lvl="0"/>
             <a:r>
-              <a:rPr lang="en-US" smtClean="0"/>
+              <a:rPr lang="en-US"/>
               <a:t>Click to edit Master text styles</a:t>
             </a:r>
           </a:p>
           <a:p>
             <a:pPr lvl="1"/>
             <a:r>
-              <a:rPr lang="en-US" smtClean="0"/>
+              <a:rPr lang="en-US"/>
               <a:t>Second level</a:t>
             </a:r>
           </a:p>
           <a:p>
             <a:pPr lvl="2"/>
             <a:r>
-              <a:rPr lang="en-US" smtClean="0"/>
+              <a:rPr lang="en-US"/>
               <a:t>Third level</a:t>
             </a:r>
           </a:p>
           <a:p>
             <a:pPr lvl="3"/>
             <a:r>
-              <a:rPr lang="en-US" smtClean="0"/>
+              <a:rPr lang="en-US"/>
               <a:t>Fourth level</a:t>
             </a:r>
           </a:p>
           <a:p>
             <a:pPr lvl="4"/>
             <a:r>
-              <a:rPr lang="en-US" smtClean="0"/>
+              <a:rPr lang="en-US"/>
               <a:t>Fifth level</a:t>
             </a:r>
-            <a:endParaRPr lang="en-US"/>
           </a:p>
         </p:txBody>
       </p:sp>
@@ -2025,7 +2010,7 @@
           <a:p>
             <a:pPr lvl="0"/>
             <a:r>
-              <a:rPr lang="en-US" smtClean="0"/>
+              <a:rPr lang="en-US"/>
               <a:t>Click to edit Master text styles</a:t>
             </a:r>
           </a:p>
@@ -2081,38 +2066,37 @@
           <a:p>
             <a:pPr lvl="0"/>
             <a:r>
-              <a:rPr lang="en-US" smtClean="0"/>
+              <a:rPr lang="en-US"/>
               <a:t>Click to edit Master text styles</a:t>
             </a:r>
           </a:p>
           <a:p>
             <a:pPr lvl="1"/>
             <a:r>
-              <a:rPr lang="en-US" smtClean="0"/>
+              <a:rPr lang="en-US"/>
               <a:t>Second level</a:t>
             </a:r>
           </a:p>
           <a:p>
             <a:pPr lvl="2"/>
             <a:r>
-              <a:rPr lang="en-US" smtClean="0"/>
+              <a:rPr lang="en-US"/>
               <a:t>Third level</a:t>
             </a:r>
           </a:p>
           <a:p>
             <a:pPr lvl="3"/>
             <a:r>
-              <a:rPr lang="en-US" smtClean="0"/>
+              <a:rPr lang="en-US"/>
               <a:t>Fourth level</a:t>
             </a:r>
           </a:p>
           <a:p>
             <a:pPr lvl="4"/>
             <a:r>
-              <a:rPr lang="en-US" smtClean="0"/>
+              <a:rPr lang="en-US"/>
               <a:t>Fifth level</a:t>
             </a:r>
-            <a:endParaRPr lang="en-US"/>
           </a:p>
         </p:txBody>
       </p:sp>
@@ -2133,7 +2117,7 @@
           <a:p>
             <a:fld id="{78C97017-6FC3-485B-9764-EAC9E56C1D49}" type="datetimeFigureOut">
               <a:rPr lang="en-US" smtClean="0"/>
-              <a:t>4/13/18</a:t>
+              <a:t>15-Apr-18</a:t>
             </a:fld>
             <a:endParaRPr lang="en-US"/>
           </a:p>
@@ -2227,10 +2211,9 @@
           <a:lstStyle/>
           <a:p>
             <a:r>
-              <a:rPr lang="en-US" smtClean="0"/>
+              <a:rPr lang="en-US"/>
               <a:t>Click to edit Master title style</a:t>
             </a:r>
-            <a:endParaRPr lang="en-US"/>
           </a:p>
         </p:txBody>
       </p:sp>
@@ -2251,7 +2234,7 @@
           <a:p>
             <a:fld id="{78C97017-6FC3-485B-9764-EAC9E56C1D49}" type="datetimeFigureOut">
               <a:rPr lang="en-US" smtClean="0"/>
-              <a:t>4/13/18</a:t>
+              <a:t>15-Apr-18</a:t>
             </a:fld>
             <a:endParaRPr lang="en-US"/>
           </a:p>
@@ -2346,7 +2329,7 @@
           <a:p>
             <a:fld id="{78C97017-6FC3-485B-9764-EAC9E56C1D49}" type="datetimeFigureOut">
               <a:rPr lang="en-US" smtClean="0"/>
-              <a:t>4/13/18</a:t>
+              <a:t>15-Apr-18</a:t>
             </a:fld>
             <a:endParaRPr lang="en-US"/>
           </a:p>
@@ -2449,10 +2432,9 @@
           </a:lstStyle>
           <a:p>
             <a:r>
-              <a:rPr lang="en-US" smtClean="0"/>
+              <a:rPr lang="en-US"/>
               <a:t>Click to edit Master title style</a:t>
             </a:r>
-            <a:endParaRPr lang="en-US"/>
           </a:p>
         </p:txBody>
       </p:sp>
@@ -2506,38 +2488,37 @@
           <a:p>
             <a:pPr lvl="0"/>
             <a:r>
-              <a:rPr lang="en-US" smtClean="0"/>
+              <a:rPr lang="en-US"/>
               <a:t>Click to edit Master text styles</a:t>
             </a:r>
           </a:p>
           <a:p>
             <a:pPr lvl="1"/>
             <a:r>
-              <a:rPr lang="en-US" smtClean="0"/>
+              <a:rPr lang="en-US"/>
               <a:t>Second level</a:t>
             </a:r>
           </a:p>
           <a:p>
             <a:pPr lvl="2"/>
             <a:r>
-              <a:rPr lang="en-US" smtClean="0"/>
+              <a:rPr lang="en-US"/>
               <a:t>Third level</a:t>
             </a:r>
           </a:p>
           <a:p>
             <a:pPr lvl="3"/>
             <a:r>
-              <a:rPr lang="en-US" smtClean="0"/>
+              <a:rPr lang="en-US"/>
               <a:t>Fourth level</a:t>
             </a:r>
           </a:p>
           <a:p>
             <a:pPr lvl="4"/>
             <a:r>
-              <a:rPr lang="en-US" smtClean="0"/>
+              <a:rPr lang="en-US"/>
               <a:t>Fifth level</a:t>
             </a:r>
-            <a:endParaRPr lang="en-US"/>
           </a:p>
         </p:txBody>
       </p:sp>
@@ -2600,7 +2581,7 @@
           <a:p>
             <a:pPr lvl="0"/>
             <a:r>
-              <a:rPr lang="en-US" smtClean="0"/>
+              <a:rPr lang="en-US"/>
               <a:t>Click to edit Master text styles</a:t>
             </a:r>
           </a:p>
@@ -2623,7 +2604,7 @@
           <a:p>
             <a:fld id="{78C97017-6FC3-485B-9764-EAC9E56C1D49}" type="datetimeFigureOut">
               <a:rPr lang="en-US" smtClean="0"/>
-              <a:t>4/13/18</a:t>
+              <a:t>15-Apr-18</a:t>
             </a:fld>
             <a:endParaRPr lang="en-US"/>
           </a:p>
@@ -2726,10 +2707,9 @@
           </a:lstStyle>
           <a:p>
             <a:r>
-              <a:rPr lang="en-US" smtClean="0"/>
+              <a:rPr lang="en-US"/>
               <a:t>Click to edit Master title style</a:t>
             </a:r>
-            <a:endParaRPr lang="en-US"/>
           </a:p>
         </p:txBody>
       </p:sp>
@@ -2853,7 +2833,7 @@
           <a:p>
             <a:pPr lvl="0"/>
             <a:r>
-              <a:rPr lang="en-US" smtClean="0"/>
+              <a:rPr lang="en-US"/>
               <a:t>Click to edit Master text styles</a:t>
             </a:r>
           </a:p>
@@ -2876,7 +2856,7 @@
           <a:p>
             <a:fld id="{78C97017-6FC3-485B-9764-EAC9E56C1D49}" type="datetimeFigureOut">
               <a:rPr lang="en-US" smtClean="0"/>
-              <a:t>4/13/18</a:t>
+              <a:t>15-Apr-18</a:t>
             </a:fld>
             <a:endParaRPr lang="en-US"/>
           </a:p>
@@ -2985,10 +2965,9 @@
           <a:lstStyle/>
           <a:p>
             <a:r>
-              <a:rPr lang="en-US" smtClean="0"/>
+              <a:rPr lang="en-US"/>
               <a:t>Click to edit Master title style</a:t>
             </a:r>
-            <a:endParaRPr lang="en-US"/>
           </a:p>
         </p:txBody>
       </p:sp>
@@ -3019,38 +2998,37 @@
           <a:p>
             <a:pPr lvl="0"/>
             <a:r>
-              <a:rPr lang="en-US" smtClean="0"/>
+              <a:rPr lang="en-US"/>
               <a:t>Click to edit Master text styles</a:t>
             </a:r>
           </a:p>
           <a:p>
             <a:pPr lvl="1"/>
             <a:r>
-              <a:rPr lang="en-US" smtClean="0"/>
+              <a:rPr lang="en-US"/>
               <a:t>Second level</a:t>
             </a:r>
           </a:p>
           <a:p>
             <a:pPr lvl="2"/>
             <a:r>
-              <a:rPr lang="en-US" smtClean="0"/>
+              <a:rPr lang="en-US"/>
               <a:t>Third level</a:t>
             </a:r>
           </a:p>
           <a:p>
             <a:pPr lvl="3"/>
             <a:r>
-              <a:rPr lang="en-US" smtClean="0"/>
+              <a:rPr lang="en-US"/>
               <a:t>Fourth level</a:t>
             </a:r>
           </a:p>
           <a:p>
             <a:pPr lvl="4"/>
             <a:r>
-              <a:rPr lang="en-US" smtClean="0"/>
+              <a:rPr lang="en-US"/>
               <a:t>Fifth level</a:t>
             </a:r>
-            <a:endParaRPr lang="en-US"/>
           </a:p>
         </p:txBody>
       </p:sp>
@@ -3089,7 +3067,7 @@
           <a:p>
             <a:fld id="{78C97017-6FC3-485B-9764-EAC9E56C1D49}" type="datetimeFigureOut">
               <a:rPr lang="en-US" smtClean="0"/>
-              <a:t>4/13/18</a:t>
+              <a:t>15-Apr-18</a:t>
             </a:fld>
             <a:endParaRPr lang="en-US"/>
           </a:p>
@@ -3510,7 +3488,7 @@
           <a:lstStyle/>
           <a:p>
             <a:r>
-              <a:rPr lang="en-US" sz="1200" b="1" dirty="0" smtClean="0">
+              <a:rPr lang="en-US" sz="1200" b="1" dirty="0">
                 <a:solidFill>
                   <a:srgbClr val="7030A0"/>
                 </a:solidFill>
@@ -3569,7 +3547,7 @@
           <a:p>
             <a:pPr algn="ctr"/>
             <a:r>
-              <a:rPr lang="en-US" sz="1050" dirty="0" err="1" smtClean="0">
+              <a:rPr lang="en-US" sz="1050" dirty="0" err="1">
                 <a:solidFill>
                   <a:schemeClr val="bg1"/>
                 </a:solidFill>
@@ -3628,7 +3606,7 @@
           <a:p>
             <a:pPr algn="ctr"/>
             <a:r>
-              <a:rPr lang="en-US" sz="1050" dirty="0" err="1" smtClean="0">
+              <a:rPr lang="en-US" sz="1050" dirty="0" err="1">
                 <a:solidFill>
                   <a:schemeClr val="bg1"/>
                 </a:solidFill>
@@ -3742,7 +3720,7 @@
           <a:p>
             <a:pPr algn="ctr"/>
             <a:r>
-              <a:rPr lang="en-US" sz="1050" dirty="0" smtClean="0">
+              <a:rPr lang="en-US" sz="1050" dirty="0">
                 <a:solidFill>
                   <a:schemeClr val="bg1"/>
                 </a:solidFill>
@@ -4015,7 +3993,7 @@
           <a:p>
             <a:pPr algn="ctr"/>
             <a:r>
-              <a:rPr lang="en-US" sz="1050" dirty="0" err="1" smtClean="0">
+              <a:rPr lang="en-US" sz="1050" dirty="0" err="1">
                 <a:solidFill>
                   <a:srgbClr val="7030A0"/>
                 </a:solidFill>
@@ -4157,7 +4135,7 @@
           <a:p>
             <a:pPr algn="ctr"/>
             <a:r>
-              <a:rPr lang="en-US" sz="1050" dirty="0" err="1" smtClean="0">
+              <a:rPr lang="en-US" sz="1050" dirty="0" err="1">
                 <a:solidFill>
                   <a:srgbClr val="7030A0"/>
                 </a:solidFill>
@@ -4301,7 +4279,7 @@
           <a:p>
             <a:pPr algn="ctr"/>
             <a:r>
-              <a:rPr lang="en-US" sz="1050" dirty="0" err="1" smtClean="0">
+              <a:rPr lang="en-US" sz="1050" dirty="0" err="1">
                 <a:solidFill>
                   <a:srgbClr val="7030A0"/>
                 </a:solidFill>
@@ -4400,7 +4378,7 @@
           <a:p>
             <a:pPr algn="ctr"/>
             <a:r>
-              <a:rPr lang="en-US" sz="900" dirty="0" smtClean="0">
+              <a:rPr lang="en-US" sz="900" dirty="0">
                 <a:solidFill>
                   <a:srgbClr val="7030A0"/>
                 </a:solidFill>
@@ -4542,7 +4520,7 @@
           <a:p>
             <a:pPr algn="ctr"/>
             <a:r>
-              <a:rPr lang="en-US" sz="1050" dirty="0" smtClean="0">
+              <a:rPr lang="en-US" sz="1050" dirty="0">
                 <a:solidFill>
                   <a:srgbClr val="7030A0"/>
                 </a:solidFill>
@@ -4684,7 +4662,7 @@
           <a:p>
             <a:pPr algn="ctr"/>
             <a:r>
-              <a:rPr lang="en-US" sz="1050" dirty="0" smtClean="0">
+              <a:rPr lang="en-US" sz="1050" dirty="0">
                 <a:solidFill>
                   <a:srgbClr val="7030A0"/>
                 </a:solidFill>
@@ -4828,7 +4806,7 @@
           <a:p>
             <a:pPr algn="ctr"/>
             <a:r>
-              <a:rPr lang="en-US" sz="1050" dirty="0" smtClean="0">
+              <a:rPr lang="en-US" sz="1050" dirty="0">
                 <a:solidFill>
                   <a:srgbClr val="7030A0"/>
                 </a:solidFill>
@@ -4925,7 +4903,7 @@
           <a:p>
             <a:pPr algn="ctr"/>
             <a:r>
-              <a:rPr lang="en-US" sz="1050" dirty="0" smtClean="0">
+              <a:rPr lang="en-US" sz="1050" dirty="0">
                 <a:solidFill>
                   <a:srgbClr val="7030A0"/>
                 </a:solidFill>
@@ -5022,7 +5000,7 @@
           <a:p>
             <a:pPr algn="ctr"/>
             <a:r>
-              <a:rPr lang="en-US" sz="1050" dirty="0" smtClean="0">
+              <a:rPr lang="en-US" sz="1050" dirty="0">
                 <a:solidFill>
                   <a:srgbClr val="7030A0"/>
                 </a:solidFill>
@@ -5210,7 +5188,7 @@
           <a:p>
             <a:pPr algn="ctr"/>
             <a:r>
-              <a:rPr lang="en-US" sz="1050" dirty="0" smtClean="0">
+              <a:rPr lang="en-US" sz="1050" dirty="0">
                 <a:solidFill>
                   <a:srgbClr val="7030A0"/>
                 </a:solidFill>
@@ -5218,14 +5196,14 @@
               <a:t>&lt;&lt;interface&gt;&gt;</a:t>
             </a:r>
             <a:br>
-              <a:rPr lang="en-US" sz="1050" dirty="0" smtClean="0">
+              <a:rPr lang="en-US" sz="1050" dirty="0">
                 <a:solidFill>
                   <a:srgbClr val="7030A0"/>
                 </a:solidFill>
               </a:rPr>
             </a:br>
             <a:r>
-              <a:rPr lang="en-US" sz="1050" dirty="0" err="1" smtClean="0">
+              <a:rPr lang="en-US" sz="1050" dirty="0" err="1">
                 <a:solidFill>
                   <a:srgbClr val="7030A0"/>
                 </a:solidFill>
@@ -5264,7 +5242,7 @@
           <a:p>
             <a:pPr algn="r"/>
             <a:r>
-              <a:rPr lang="en-US" sz="1100" dirty="0" smtClean="0">
+              <a:rPr lang="en-US" sz="1100" dirty="0">
                 <a:solidFill>
                   <a:srgbClr val="7030A0"/>
                 </a:solidFill>
@@ -5320,20 +5298,12 @@
           <a:p>
             <a:pPr algn="ctr"/>
             <a:r>
-              <a:rPr lang="en-US" sz="1050" dirty="0" smtClean="0">
+              <a:rPr lang="en-US" sz="1050" dirty="0">
                 <a:solidFill>
                   <a:srgbClr val="7030A0"/>
                 </a:solidFill>
               </a:rPr>
               <a:t>&lt;&lt;interface&gt;&gt;</a:t>
-            </a:r>
-            <a:r>
-              <a:rPr lang="en-US" sz="1050">
-                <a:solidFill>
-                  <a:srgbClr val="7030A0"/>
-                </a:solidFill>
-              </a:rPr>
-              <a:t/>
             </a:r>
             <a:br>
               <a:rPr lang="en-US" sz="1050">
@@ -5343,7 +5313,7 @@
               </a:rPr>
             </a:br>
             <a:r>
-              <a:rPr lang="en-US" sz="1050" dirty="0" err="1" smtClean="0">
+              <a:rPr lang="en-US" sz="1050" dirty="0" err="1">
                 <a:solidFill>
                   <a:srgbClr val="7030A0"/>
                 </a:solidFill>
@@ -5465,7 +5435,7 @@
           <a:p>
             <a:pPr algn="ctr"/>
             <a:r>
-              <a:rPr lang="en-US" sz="1100" dirty="0" smtClean="0">
+              <a:rPr lang="en-US" sz="1100" dirty="0">
                 <a:solidFill>
                   <a:srgbClr val="7030A0"/>
                 </a:solidFill>
@@ -5504,7 +5474,7 @@
           <a:p>
             <a:pPr algn="ctr"/>
             <a:r>
-              <a:rPr lang="en-US" sz="1100" dirty="0" smtClean="0">
+              <a:rPr lang="en-US" sz="1100" dirty="0">
                 <a:solidFill>
                   <a:srgbClr val="7030A0"/>
                 </a:solidFill>
@@ -5543,7 +5513,7 @@
           <a:p>
             <a:pPr algn="ctr"/>
             <a:r>
-              <a:rPr lang="en-US" sz="1100" dirty="0" smtClean="0">
+              <a:rPr lang="en-US" sz="1100" dirty="0">
                 <a:solidFill>
                   <a:srgbClr val="7030A0"/>
                 </a:solidFill>
@@ -5582,7 +5552,7 @@
           <a:p>
             <a:pPr algn="ctr"/>
             <a:r>
-              <a:rPr lang="en-US" sz="1100" dirty="0" smtClean="0">
+              <a:rPr lang="en-US" sz="1100" dirty="0">
                 <a:solidFill>
                   <a:srgbClr val="7030A0"/>
                 </a:solidFill>
@@ -5621,7 +5591,7 @@
           <a:p>
             <a:pPr algn="ctr"/>
             <a:r>
-              <a:rPr lang="en-US" sz="1100" dirty="0" smtClean="0">
+              <a:rPr lang="en-US" sz="1100" dirty="0">
                 <a:solidFill>
                   <a:srgbClr val="7030A0"/>
                 </a:solidFill>
@@ -5660,7 +5630,7 @@
           <a:p>
             <a:pPr algn="ctr"/>
             <a:r>
-              <a:rPr lang="en-US" sz="1100" dirty="0" smtClean="0">
+              <a:rPr lang="en-US" sz="1100" dirty="0">
                 <a:solidFill>
                   <a:srgbClr val="7030A0"/>
                 </a:solidFill>
@@ -5699,7 +5669,7 @@
           <a:p>
             <a:pPr algn="ctr"/>
             <a:r>
-              <a:rPr lang="en-US" sz="1100" dirty="0" smtClean="0">
+              <a:rPr lang="en-US" sz="1100" dirty="0">
                 <a:solidFill>
                   <a:srgbClr val="7030A0"/>
                 </a:solidFill>
@@ -5738,7 +5708,7 @@
           <a:p>
             <a:pPr algn="ctr"/>
             <a:r>
-              <a:rPr lang="en-US" sz="1100" dirty="0" smtClean="0">
+              <a:rPr lang="en-US" sz="1100" dirty="0">
                 <a:solidFill>
                   <a:srgbClr val="7030A0"/>
                 </a:solidFill>
@@ -5794,7 +5764,7 @@
           <a:p>
             <a:pPr algn="ctr"/>
             <a:r>
-              <a:rPr lang="en-US" sz="1050" dirty="0" smtClean="0">
+              <a:rPr lang="en-US" sz="1050" dirty="0">
                 <a:solidFill>
                   <a:srgbClr val="7030A0"/>
                 </a:solidFill>
@@ -5850,7 +5820,7 @@
           <a:p>
             <a:pPr algn="ctr"/>
             <a:r>
-              <a:rPr lang="en-US" sz="1050" dirty="0" smtClean="0">
+              <a:rPr lang="en-US" sz="1050" dirty="0">
                 <a:solidFill>
                   <a:srgbClr val="7030A0"/>
                 </a:solidFill>
@@ -5941,6 +5911,276 @@
           </a:fontRef>
         </p:style>
       </p:cxnSp>
+      <p:sp>
+        <p:nvSpPr>
+          <p:cNvPr id="72" name="TextBox 71">
+            <a:extLst>
+              <a:ext uri="{FF2B5EF4-FFF2-40B4-BE49-F238E27FC236}">
+                <a16:creationId xmlns:a16="http://schemas.microsoft.com/office/drawing/2014/main" id="{4F43D0D7-B0D4-45D5-AB1C-6125B387D71E}"/>
+              </a:ext>
+            </a:extLst>
+          </p:cNvPr>
+          <p:cNvSpPr txBox="1"/>
+          <p:nvPr/>
+        </p:nvSpPr>
+        <p:spPr>
+          <a:xfrm>
+            <a:off x="7544557" y="2495594"/>
+            <a:ext cx="189257" cy="178683"/>
+          </a:xfrm>
+          <a:prstGeom prst="rect">
+            <a:avLst/>
+          </a:prstGeom>
+          <a:noFill/>
+        </p:spPr>
+        <p:txBody>
+          <a:bodyPr wrap="square" lIns="0" tIns="0" rIns="0" bIns="0" rtlCol="0">
+            <a:noAutofit/>
+          </a:bodyPr>
+          <a:lstStyle/>
+          <a:p>
+            <a:pPr algn="ctr"/>
+            <a:r>
+              <a:rPr lang="en-US" sz="1100" dirty="0">
+                <a:solidFill>
+                  <a:srgbClr val="7030A0"/>
+                </a:solidFill>
+              </a:rPr>
+              <a:t>1</a:t>
+            </a:r>
+            <a:endParaRPr lang="en-SG" sz="1100" dirty="0">
+              <a:solidFill>
+                <a:srgbClr val="7030A0"/>
+              </a:solidFill>
+            </a:endParaRPr>
+          </a:p>
+        </p:txBody>
+      </p:sp>
+      <p:sp>
+        <p:nvSpPr>
+          <p:cNvPr id="73" name="TextBox 72">
+            <a:extLst>
+              <a:ext uri="{FF2B5EF4-FFF2-40B4-BE49-F238E27FC236}">
+                <a16:creationId xmlns:a16="http://schemas.microsoft.com/office/drawing/2014/main" id="{671427DC-30B6-4D71-AD2B-CF4E0F615B3A}"/>
+              </a:ext>
+            </a:extLst>
+          </p:cNvPr>
+          <p:cNvSpPr txBox="1"/>
+          <p:nvPr/>
+        </p:nvSpPr>
+        <p:spPr>
+          <a:xfrm>
+            <a:off x="7543800" y="2819400"/>
+            <a:ext cx="189257" cy="178683"/>
+          </a:xfrm>
+          <a:prstGeom prst="rect">
+            <a:avLst/>
+          </a:prstGeom>
+          <a:noFill/>
+        </p:spPr>
+        <p:txBody>
+          <a:bodyPr wrap="square" lIns="0" tIns="0" rIns="0" bIns="0" rtlCol="0">
+            <a:noAutofit/>
+          </a:bodyPr>
+          <a:lstStyle/>
+          <a:p>
+            <a:pPr algn="ctr"/>
+            <a:r>
+              <a:rPr lang="en-US" sz="1100" dirty="0">
+                <a:solidFill>
+                  <a:srgbClr val="7030A0"/>
+                </a:solidFill>
+              </a:rPr>
+              <a:t>1</a:t>
+            </a:r>
+            <a:endParaRPr lang="en-SG" sz="1100" dirty="0">
+              <a:solidFill>
+                <a:srgbClr val="7030A0"/>
+              </a:solidFill>
+            </a:endParaRPr>
+          </a:p>
+        </p:txBody>
+      </p:sp>
+      <p:sp>
+        <p:nvSpPr>
+          <p:cNvPr id="74" name="TextBox 73">
+            <a:extLst>
+              <a:ext uri="{FF2B5EF4-FFF2-40B4-BE49-F238E27FC236}">
+                <a16:creationId xmlns:a16="http://schemas.microsoft.com/office/drawing/2014/main" id="{8AE8091E-FDE5-4842-B544-5C6A517B3321}"/>
+              </a:ext>
+            </a:extLst>
+          </p:cNvPr>
+          <p:cNvSpPr txBox="1"/>
+          <p:nvPr/>
+        </p:nvSpPr>
+        <p:spPr>
+          <a:xfrm>
+            <a:off x="7534337" y="3132322"/>
+            <a:ext cx="208183" cy="162439"/>
+          </a:xfrm>
+          <a:prstGeom prst="rect">
+            <a:avLst/>
+          </a:prstGeom>
+          <a:noFill/>
+        </p:spPr>
+        <p:txBody>
+          <a:bodyPr wrap="square" lIns="0" tIns="0" rIns="0" bIns="0" rtlCol="0">
+            <a:noAutofit/>
+          </a:bodyPr>
+          <a:lstStyle/>
+          <a:p>
+            <a:pPr algn="ctr"/>
+            <a:r>
+              <a:rPr lang="en-US" sz="1100" dirty="0">
+                <a:solidFill>
+                  <a:srgbClr val="7030A0"/>
+                </a:solidFill>
+              </a:rPr>
+              <a:t>1</a:t>
+            </a:r>
+            <a:endParaRPr lang="en-SG" sz="1100" dirty="0">
+              <a:solidFill>
+                <a:srgbClr val="7030A0"/>
+              </a:solidFill>
+            </a:endParaRPr>
+          </a:p>
+        </p:txBody>
+      </p:sp>
+      <p:sp>
+        <p:nvSpPr>
+          <p:cNvPr id="77" name="TextBox 76">
+            <a:extLst>
+              <a:ext uri="{FF2B5EF4-FFF2-40B4-BE49-F238E27FC236}">
+                <a16:creationId xmlns:a16="http://schemas.microsoft.com/office/drawing/2014/main" id="{DE54BF0D-9C53-460C-B9D7-B8E85B24CB92}"/>
+              </a:ext>
+            </a:extLst>
+          </p:cNvPr>
+          <p:cNvSpPr txBox="1"/>
+          <p:nvPr/>
+        </p:nvSpPr>
+        <p:spPr>
+          <a:xfrm>
+            <a:off x="7543800" y="3431037"/>
+            <a:ext cx="189257" cy="122043"/>
+          </a:xfrm>
+          <a:prstGeom prst="rect">
+            <a:avLst/>
+          </a:prstGeom>
+          <a:noFill/>
+        </p:spPr>
+        <p:txBody>
+          <a:bodyPr wrap="square" lIns="0" tIns="0" rIns="0" bIns="0" rtlCol="0">
+            <a:noAutofit/>
+          </a:bodyPr>
+          <a:lstStyle/>
+          <a:p>
+            <a:pPr algn="ctr"/>
+            <a:r>
+              <a:rPr lang="en-US" sz="1100" dirty="0">
+                <a:solidFill>
+                  <a:srgbClr val="7030A0"/>
+                </a:solidFill>
+              </a:rPr>
+              <a:t>1</a:t>
+            </a:r>
+            <a:endParaRPr lang="en-SG" sz="1100" dirty="0">
+              <a:solidFill>
+                <a:srgbClr val="7030A0"/>
+              </a:solidFill>
+            </a:endParaRPr>
+          </a:p>
+        </p:txBody>
+      </p:sp>
+      <p:sp>
+        <p:nvSpPr>
+          <p:cNvPr id="82" name="TextBox 81">
+            <a:extLst>
+              <a:ext uri="{FF2B5EF4-FFF2-40B4-BE49-F238E27FC236}">
+                <a16:creationId xmlns:a16="http://schemas.microsoft.com/office/drawing/2014/main" id="{271B6378-3C35-4131-90EB-975F47CE8256}"/>
+              </a:ext>
+            </a:extLst>
+          </p:cNvPr>
+          <p:cNvSpPr txBox="1"/>
+          <p:nvPr/>
+        </p:nvSpPr>
+        <p:spPr>
+          <a:xfrm>
+            <a:off x="7543800" y="3785561"/>
+            <a:ext cx="189257" cy="196551"/>
+          </a:xfrm>
+          <a:prstGeom prst="rect">
+            <a:avLst/>
+          </a:prstGeom>
+          <a:noFill/>
+        </p:spPr>
+        <p:txBody>
+          <a:bodyPr wrap="square" lIns="0" tIns="0" rIns="0" bIns="0" rtlCol="0">
+            <a:noAutofit/>
+          </a:bodyPr>
+          <a:lstStyle/>
+          <a:p>
+            <a:pPr algn="ctr"/>
+            <a:r>
+              <a:rPr lang="en-US" sz="1100" dirty="0">
+                <a:solidFill>
+                  <a:srgbClr val="7030A0"/>
+                </a:solidFill>
+              </a:rPr>
+              <a:t>1</a:t>
+            </a:r>
+            <a:endParaRPr lang="en-SG" sz="1100" dirty="0">
+              <a:solidFill>
+                <a:srgbClr val="7030A0"/>
+              </a:solidFill>
+            </a:endParaRPr>
+          </a:p>
+        </p:txBody>
+      </p:sp>
+      <p:sp>
+        <p:nvSpPr>
+          <p:cNvPr id="87" name="TextBox 86">
+            <a:extLst>
+              <a:ext uri="{FF2B5EF4-FFF2-40B4-BE49-F238E27FC236}">
+                <a16:creationId xmlns:a16="http://schemas.microsoft.com/office/drawing/2014/main" id="{95EFD37D-3401-48F3-AA23-0F6A7852140C}"/>
+              </a:ext>
+            </a:extLst>
+          </p:cNvPr>
+          <p:cNvSpPr txBox="1"/>
+          <p:nvPr/>
+        </p:nvSpPr>
+        <p:spPr>
+          <a:xfrm>
+            <a:off x="7543800" y="4164717"/>
+            <a:ext cx="189257" cy="178683"/>
+          </a:xfrm>
+          <a:prstGeom prst="rect">
+            <a:avLst/>
+          </a:prstGeom>
+          <a:noFill/>
+        </p:spPr>
+        <p:txBody>
+          <a:bodyPr wrap="square" lIns="0" tIns="0" rIns="0" bIns="0" rtlCol="0">
+            <a:noAutofit/>
+          </a:bodyPr>
+          <a:lstStyle/>
+          <a:p>
+            <a:pPr algn="ctr"/>
+            <a:r>
+              <a:rPr lang="en-US" sz="1100" dirty="0">
+                <a:solidFill>
+                  <a:srgbClr val="7030A0"/>
+                </a:solidFill>
+              </a:rPr>
+              <a:t>1</a:t>
+            </a:r>
+            <a:endParaRPr lang="en-SG" sz="1100" dirty="0">
+              <a:solidFill>
+                <a:srgbClr val="7030A0"/>
+              </a:solidFill>
+            </a:endParaRPr>
+          </a:p>
+        </p:txBody>
+      </p:sp>
     </p:spTree>
     <p:extLst>
       <p:ext uri="{BB962C8B-B14F-4D97-AF65-F5344CB8AC3E}">
@@ -5951,13 +6191,6 @@
   <p:clrMapOvr>
     <a:masterClrMapping/>
   </p:clrMapOvr>
-  <p:timing>
-    <p:tnLst>
-      <p:par>
-        <p:cTn id="1" dur="indefinite" restart="never" nodeType="tmRoot"/>
-      </p:par>
-    </p:tnLst>
-  </p:timing>
 </p:sld>
 </file>
 
